--- a/Employment/Bonsuck Koo.pptx
+++ b/Employment/Bonsuck Koo.pptx
@@ -4,11 +4,18 @@
   <p:sldMasterIdLst>
     <p:sldMasterId id="2147483684" r:id="rId1"/>
   </p:sldMasterIdLst>
+  <p:notesMasterIdLst>
+    <p:notesMasterId r:id="rId10"/>
+  </p:notesMasterIdLst>
   <p:sldIdLst>
     <p:sldId id="256" r:id="rId2"/>
     <p:sldId id="257" r:id="rId3"/>
     <p:sldId id="258" r:id="rId4"/>
     <p:sldId id="259" r:id="rId5"/>
+    <p:sldId id="262" r:id="rId6"/>
+    <p:sldId id="260" r:id="rId7"/>
+    <p:sldId id="263" r:id="rId8"/>
+    <p:sldId id="264" r:id="rId9"/>
   </p:sldIdLst>
   <p:sldSz cx="12192000" cy="6858000"/>
   <p:notesSz cx="6858000" cy="9144000"/>
@@ -107,7 +114,772 @@
       </a:defRPr>
     </a:lvl9pPr>
   </p:defaultTextStyle>
+  <p:extLst>
+    <p:ext uri="{EFAFB233-063F-42B5-8137-9DF3F51BA10A}">
+      <p15:sldGuideLst xmlns:p15="http://schemas.microsoft.com/office/powerpoint/2012/main"/>
+    </p:ext>
+  </p:extLst>
 </p:presentation>
+</file>
+
+<file path=ppt/notesMasters/notesMaster1.xml><?xml version="1.0" encoding="utf-8"?>
+<p:notesMaster xmlns:a="http://schemas.openxmlformats.org/drawingml/2006/main" xmlns:r="http://schemas.openxmlformats.org/officeDocument/2006/relationships" xmlns:p="http://schemas.openxmlformats.org/presentationml/2006/main">
+  <p:cSld>
+    <p:bg>
+      <p:bgRef idx="1001">
+        <a:schemeClr val="bg1"/>
+      </p:bgRef>
+    </p:bg>
+    <p:spTree>
+      <p:nvGrpSpPr>
+        <p:cNvPr id="1" name=""/>
+        <p:cNvGrpSpPr/>
+        <p:nvPr/>
+      </p:nvGrpSpPr>
+      <p:grpSpPr>
+        <a:xfrm>
+          <a:off x="0" y="0"/>
+          <a:ext cx="0" cy="0"/>
+          <a:chOff x="0" y="0"/>
+          <a:chExt cx="0" cy="0"/>
+        </a:xfrm>
+      </p:grpSpPr>
+      <p:sp>
+        <p:nvSpPr>
+          <p:cNvPr id="2" name="Header Placeholder 1"/>
+          <p:cNvSpPr>
+            <a:spLocks noGrp="1"/>
+          </p:cNvSpPr>
+          <p:nvPr>
+            <p:ph type="hdr" sz="quarter"/>
+          </p:nvPr>
+        </p:nvSpPr>
+        <p:spPr>
+          <a:xfrm>
+            <a:off x="0" y="0"/>
+            <a:ext cx="2971800" cy="458788"/>
+          </a:xfrm>
+          <a:prstGeom prst="rect">
+            <a:avLst/>
+          </a:prstGeom>
+        </p:spPr>
+        <p:txBody>
+          <a:bodyPr vert="horz" lIns="91440" tIns="45720" rIns="91440" bIns="45720" rtlCol="0"/>
+          <a:lstStyle>
+            <a:lvl1pPr algn="l">
+              <a:defRPr sz="1200"/>
+            </a:lvl1pPr>
+          </a:lstStyle>
+          <a:p>
+            <a:endParaRPr lang="en-US"/>
+          </a:p>
+        </p:txBody>
+      </p:sp>
+      <p:sp>
+        <p:nvSpPr>
+          <p:cNvPr id="3" name="Date Placeholder 2"/>
+          <p:cNvSpPr>
+            <a:spLocks noGrp="1"/>
+          </p:cNvSpPr>
+          <p:nvPr>
+            <p:ph type="dt" idx="1"/>
+          </p:nvPr>
+        </p:nvSpPr>
+        <p:spPr>
+          <a:xfrm>
+            <a:off x="3884613" y="0"/>
+            <a:ext cx="2971800" cy="458788"/>
+          </a:xfrm>
+          <a:prstGeom prst="rect">
+            <a:avLst/>
+          </a:prstGeom>
+        </p:spPr>
+        <p:txBody>
+          <a:bodyPr vert="horz" lIns="91440" tIns="45720" rIns="91440" bIns="45720" rtlCol="0"/>
+          <a:lstStyle>
+            <a:lvl1pPr algn="r">
+              <a:defRPr sz="1200"/>
+            </a:lvl1pPr>
+          </a:lstStyle>
+          <a:p>
+            <a:fld id="{A7A29559-18D5-479D-A08B-7BE9AFC0F530}" type="datetimeFigureOut">
+              <a:rPr lang="en-US" smtClean="0"/>
+              <a:t>7/16/2024</a:t>
+            </a:fld>
+            <a:endParaRPr lang="en-US"/>
+          </a:p>
+        </p:txBody>
+      </p:sp>
+      <p:sp>
+        <p:nvSpPr>
+          <p:cNvPr id="4" name="Slide Image Placeholder 3"/>
+          <p:cNvSpPr>
+            <a:spLocks noGrp="1" noRot="1" noChangeAspect="1"/>
+          </p:cNvSpPr>
+          <p:nvPr>
+            <p:ph type="sldImg" idx="2"/>
+          </p:nvPr>
+        </p:nvSpPr>
+        <p:spPr>
+          <a:xfrm>
+            <a:off x="685800" y="1143000"/>
+            <a:ext cx="5486400" cy="3086100"/>
+          </a:xfrm>
+          <a:prstGeom prst="rect">
+            <a:avLst/>
+          </a:prstGeom>
+          <a:noFill/>
+          <a:ln w="12700">
+            <a:solidFill>
+              <a:prstClr val="black"/>
+            </a:solidFill>
+          </a:ln>
+        </p:spPr>
+        <p:txBody>
+          <a:bodyPr vert="horz" lIns="91440" tIns="45720" rIns="91440" bIns="45720" rtlCol="0" anchor="ctr"/>
+          <a:lstStyle/>
+          <a:p>
+            <a:endParaRPr lang="en-US"/>
+          </a:p>
+        </p:txBody>
+      </p:sp>
+      <p:sp>
+        <p:nvSpPr>
+          <p:cNvPr id="5" name="Notes Placeholder 4"/>
+          <p:cNvSpPr>
+            <a:spLocks noGrp="1"/>
+          </p:cNvSpPr>
+          <p:nvPr>
+            <p:ph type="body" sz="quarter" idx="3"/>
+          </p:nvPr>
+        </p:nvSpPr>
+        <p:spPr>
+          <a:xfrm>
+            <a:off x="685800" y="4400550"/>
+            <a:ext cx="5486400" cy="3600450"/>
+          </a:xfrm>
+          <a:prstGeom prst="rect">
+            <a:avLst/>
+          </a:prstGeom>
+        </p:spPr>
+        <p:txBody>
+          <a:bodyPr vert="horz" lIns="91440" tIns="45720" rIns="91440" bIns="45720" rtlCol="0"/>
+          <a:lstStyle/>
+          <a:p>
+            <a:pPr lvl="0"/>
+            <a:r>
+              <a:rPr lang="en-US"/>
+              <a:t>Click to edit Master text styles</a:t>
+            </a:r>
+          </a:p>
+          <a:p>
+            <a:pPr lvl="1"/>
+            <a:r>
+              <a:rPr lang="en-US"/>
+              <a:t>Second level</a:t>
+            </a:r>
+          </a:p>
+          <a:p>
+            <a:pPr lvl="2"/>
+            <a:r>
+              <a:rPr lang="en-US"/>
+              <a:t>Third level</a:t>
+            </a:r>
+          </a:p>
+          <a:p>
+            <a:pPr lvl="3"/>
+            <a:r>
+              <a:rPr lang="en-US"/>
+              <a:t>Fourth level</a:t>
+            </a:r>
+          </a:p>
+          <a:p>
+            <a:pPr lvl="4"/>
+            <a:r>
+              <a:rPr lang="en-US"/>
+              <a:t>Fifth level</a:t>
+            </a:r>
+          </a:p>
+        </p:txBody>
+      </p:sp>
+      <p:sp>
+        <p:nvSpPr>
+          <p:cNvPr id="6" name="Footer Placeholder 5"/>
+          <p:cNvSpPr>
+            <a:spLocks noGrp="1"/>
+          </p:cNvSpPr>
+          <p:nvPr>
+            <p:ph type="ftr" sz="quarter" idx="4"/>
+          </p:nvPr>
+        </p:nvSpPr>
+        <p:spPr>
+          <a:xfrm>
+            <a:off x="0" y="8685213"/>
+            <a:ext cx="2971800" cy="458787"/>
+          </a:xfrm>
+          <a:prstGeom prst="rect">
+            <a:avLst/>
+          </a:prstGeom>
+        </p:spPr>
+        <p:txBody>
+          <a:bodyPr vert="horz" lIns="91440" tIns="45720" rIns="91440" bIns="45720" rtlCol="0" anchor="b"/>
+          <a:lstStyle>
+            <a:lvl1pPr algn="l">
+              <a:defRPr sz="1200"/>
+            </a:lvl1pPr>
+          </a:lstStyle>
+          <a:p>
+            <a:endParaRPr lang="en-US"/>
+          </a:p>
+        </p:txBody>
+      </p:sp>
+      <p:sp>
+        <p:nvSpPr>
+          <p:cNvPr id="7" name="Slide Number Placeholder 6"/>
+          <p:cNvSpPr>
+            <a:spLocks noGrp="1"/>
+          </p:cNvSpPr>
+          <p:nvPr>
+            <p:ph type="sldNum" sz="quarter" idx="5"/>
+          </p:nvPr>
+        </p:nvSpPr>
+        <p:spPr>
+          <a:xfrm>
+            <a:off x="3884613" y="8685213"/>
+            <a:ext cx="2971800" cy="458787"/>
+          </a:xfrm>
+          <a:prstGeom prst="rect">
+            <a:avLst/>
+          </a:prstGeom>
+        </p:spPr>
+        <p:txBody>
+          <a:bodyPr vert="horz" lIns="91440" tIns="45720" rIns="91440" bIns="45720" rtlCol="0" anchor="b"/>
+          <a:lstStyle>
+            <a:lvl1pPr algn="r">
+              <a:defRPr sz="1200"/>
+            </a:lvl1pPr>
+          </a:lstStyle>
+          <a:p>
+            <a:fld id="{DE54F22B-1B02-4873-9C88-FE93B1047223}" type="slidenum">
+              <a:rPr lang="en-US" smtClean="0"/>
+              <a:t>‹#›</a:t>
+            </a:fld>
+            <a:endParaRPr lang="en-US"/>
+          </a:p>
+        </p:txBody>
+      </p:sp>
+    </p:spTree>
+    <p:extLst>
+      <p:ext uri="{BB962C8B-B14F-4D97-AF65-F5344CB8AC3E}">
+        <p14:creationId xmlns:p14="http://schemas.microsoft.com/office/powerpoint/2010/main" val="1438502551"/>
+      </p:ext>
+    </p:extLst>
+  </p:cSld>
+  <p:clrMap bg1="lt1" tx1="dk1" bg2="lt2" tx2="dk2" accent1="accent1" accent2="accent2" accent3="accent3" accent4="accent4" accent5="accent5" accent6="accent6" hlink="hlink" folHlink="folHlink"/>
+  <p:notesStyle>
+    <a:lvl1pPr marL="0" algn="l" defTabSz="914400" rtl="0" eaLnBrk="1" latinLnBrk="0" hangingPunct="1">
+      <a:defRPr sz="1200" kern="1200">
+        <a:solidFill>
+          <a:schemeClr val="tx1"/>
+        </a:solidFill>
+        <a:latin typeface="+mn-lt"/>
+        <a:ea typeface="+mn-ea"/>
+        <a:cs typeface="+mn-cs"/>
+      </a:defRPr>
+    </a:lvl1pPr>
+    <a:lvl2pPr marL="457200" algn="l" defTabSz="914400" rtl="0" eaLnBrk="1" latinLnBrk="0" hangingPunct="1">
+      <a:defRPr sz="1200" kern="1200">
+        <a:solidFill>
+          <a:schemeClr val="tx1"/>
+        </a:solidFill>
+        <a:latin typeface="+mn-lt"/>
+        <a:ea typeface="+mn-ea"/>
+        <a:cs typeface="+mn-cs"/>
+      </a:defRPr>
+    </a:lvl2pPr>
+    <a:lvl3pPr marL="914400" algn="l" defTabSz="914400" rtl="0" eaLnBrk="1" latinLnBrk="0" hangingPunct="1">
+      <a:defRPr sz="1200" kern="1200">
+        <a:solidFill>
+          <a:schemeClr val="tx1"/>
+        </a:solidFill>
+        <a:latin typeface="+mn-lt"/>
+        <a:ea typeface="+mn-ea"/>
+        <a:cs typeface="+mn-cs"/>
+      </a:defRPr>
+    </a:lvl3pPr>
+    <a:lvl4pPr marL="1371600" algn="l" defTabSz="914400" rtl="0" eaLnBrk="1" latinLnBrk="0" hangingPunct="1">
+      <a:defRPr sz="1200" kern="1200">
+        <a:solidFill>
+          <a:schemeClr val="tx1"/>
+        </a:solidFill>
+        <a:latin typeface="+mn-lt"/>
+        <a:ea typeface="+mn-ea"/>
+        <a:cs typeface="+mn-cs"/>
+      </a:defRPr>
+    </a:lvl4pPr>
+    <a:lvl5pPr marL="1828800" algn="l" defTabSz="914400" rtl="0" eaLnBrk="1" latinLnBrk="0" hangingPunct="1">
+      <a:defRPr sz="1200" kern="1200">
+        <a:solidFill>
+          <a:schemeClr val="tx1"/>
+        </a:solidFill>
+        <a:latin typeface="+mn-lt"/>
+        <a:ea typeface="+mn-ea"/>
+        <a:cs typeface="+mn-cs"/>
+      </a:defRPr>
+    </a:lvl5pPr>
+    <a:lvl6pPr marL="2286000" algn="l" defTabSz="914400" rtl="0" eaLnBrk="1" latinLnBrk="0" hangingPunct="1">
+      <a:defRPr sz="1200" kern="1200">
+        <a:solidFill>
+          <a:schemeClr val="tx1"/>
+        </a:solidFill>
+        <a:latin typeface="+mn-lt"/>
+        <a:ea typeface="+mn-ea"/>
+        <a:cs typeface="+mn-cs"/>
+      </a:defRPr>
+    </a:lvl6pPr>
+    <a:lvl7pPr marL="2743200" algn="l" defTabSz="914400" rtl="0" eaLnBrk="1" latinLnBrk="0" hangingPunct="1">
+      <a:defRPr sz="1200" kern="1200">
+        <a:solidFill>
+          <a:schemeClr val="tx1"/>
+        </a:solidFill>
+        <a:latin typeface="+mn-lt"/>
+        <a:ea typeface="+mn-ea"/>
+        <a:cs typeface="+mn-cs"/>
+      </a:defRPr>
+    </a:lvl7pPr>
+    <a:lvl8pPr marL="3200400" algn="l" defTabSz="914400" rtl="0" eaLnBrk="1" latinLnBrk="0" hangingPunct="1">
+      <a:defRPr sz="1200" kern="1200">
+        <a:solidFill>
+          <a:schemeClr val="tx1"/>
+        </a:solidFill>
+        <a:latin typeface="+mn-lt"/>
+        <a:ea typeface="+mn-ea"/>
+        <a:cs typeface="+mn-cs"/>
+      </a:defRPr>
+    </a:lvl8pPr>
+    <a:lvl9pPr marL="3657600" algn="l" defTabSz="914400" rtl="0" eaLnBrk="1" latinLnBrk="0" hangingPunct="1">
+      <a:defRPr sz="1200" kern="1200">
+        <a:solidFill>
+          <a:schemeClr val="tx1"/>
+        </a:solidFill>
+        <a:latin typeface="+mn-lt"/>
+        <a:ea typeface="+mn-ea"/>
+        <a:cs typeface="+mn-cs"/>
+      </a:defRPr>
+    </a:lvl9pPr>
+  </p:notesStyle>
+</p:notesMaster>
+</file>
+
+<file path=ppt/notesSlides/notesSlide1.xml><?xml version="1.0" encoding="utf-8"?>
+<p:notes xmlns:a="http://schemas.openxmlformats.org/drawingml/2006/main" xmlns:r="http://schemas.openxmlformats.org/officeDocument/2006/relationships" xmlns:p="http://schemas.openxmlformats.org/presentationml/2006/main">
+  <p:cSld>
+    <p:spTree>
+      <p:nvGrpSpPr>
+        <p:cNvPr id="1" name=""/>
+        <p:cNvGrpSpPr/>
+        <p:nvPr/>
+      </p:nvGrpSpPr>
+      <p:grpSpPr>
+        <a:xfrm>
+          <a:off x="0" y="0"/>
+          <a:ext cx="0" cy="0"/>
+          <a:chOff x="0" y="0"/>
+          <a:chExt cx="0" cy="0"/>
+        </a:xfrm>
+      </p:grpSpPr>
+      <p:sp>
+        <p:nvSpPr>
+          <p:cNvPr id="2" name="Slide Image Placeholder 1"/>
+          <p:cNvSpPr>
+            <a:spLocks noGrp="1" noRot="1" noChangeAspect="1"/>
+          </p:cNvSpPr>
+          <p:nvPr>
+            <p:ph type="sldImg"/>
+          </p:nvPr>
+        </p:nvSpPr>
+        <p:spPr/>
+      </p:sp>
+      <p:sp>
+        <p:nvSpPr>
+          <p:cNvPr id="3" name="Notes Placeholder 2"/>
+          <p:cNvSpPr>
+            <a:spLocks noGrp="1"/>
+          </p:cNvSpPr>
+          <p:nvPr>
+            <p:ph type="body" idx="1"/>
+          </p:nvPr>
+        </p:nvSpPr>
+        <p:spPr/>
+        <p:txBody>
+          <a:bodyPr/>
+          <a:lstStyle/>
+          <a:p>
+            <a:r>
+              <a:rPr lang="en-US" dirty="0"/>
+              <a:t>The first project I want to present is the Drone project I did in Aerial Robotics course last semester. It was a team project that consisted of three people. They were my teammates I worked with. and the goal was to create an algorithm for a drone that would find balloons placed on a field and pop them by flying through them. (show a picture of map, actual or sim), Here you see a picture of the balloons placed on a field. It was a netted area on top of school’s parking garage. And the drones would be flying in it.</a:t>
+            </a:r>
+          </a:p>
+          <a:p>
+            <a:endParaRPr lang="en-US" dirty="0"/>
+          </a:p>
+          <a:p>
+            <a:endParaRPr lang="en-US" dirty="0"/>
+          </a:p>
+          <a:p>
+            <a:endParaRPr lang="en-US" dirty="0"/>
+          </a:p>
+          <a:p>
+            <a:endParaRPr lang="en-US" dirty="0"/>
+          </a:p>
+          <a:p>
+            <a:endParaRPr lang="en-US" dirty="0"/>
+          </a:p>
+          <a:p>
+            <a:endParaRPr lang="en-US" dirty="0"/>
+          </a:p>
+          <a:p>
+            <a:endParaRPr lang="en-US" dirty="0"/>
+          </a:p>
+          <a:p>
+            <a:endParaRPr lang="en-US" dirty="0"/>
+          </a:p>
+          <a:p>
+            <a:r>
+              <a:rPr lang="en-US" dirty="0"/>
+              <a:t>I am glad I took this course because it felt like I was going through a smaller scale  </a:t>
+            </a:r>
+          </a:p>
+        </p:txBody>
+      </p:sp>
+      <p:sp>
+        <p:nvSpPr>
+          <p:cNvPr id="4" name="Slide Number Placeholder 3"/>
+          <p:cNvSpPr>
+            <a:spLocks noGrp="1"/>
+          </p:cNvSpPr>
+          <p:nvPr>
+            <p:ph type="sldNum" sz="quarter" idx="5"/>
+          </p:nvPr>
+        </p:nvSpPr>
+        <p:spPr/>
+        <p:txBody>
+          <a:bodyPr/>
+          <a:lstStyle/>
+          <a:p>
+            <a:fld id="{DE54F22B-1B02-4873-9C88-FE93B1047223}" type="slidenum">
+              <a:rPr lang="en-US" smtClean="0"/>
+              <a:t>6</a:t>
+            </a:fld>
+            <a:endParaRPr lang="en-US"/>
+          </a:p>
+        </p:txBody>
+      </p:sp>
+    </p:spTree>
+    <p:extLst>
+      <p:ext uri="{BB962C8B-B14F-4D97-AF65-F5344CB8AC3E}">
+        <p14:creationId xmlns:p14="http://schemas.microsoft.com/office/powerpoint/2010/main" val="2025571647"/>
+      </p:ext>
+    </p:extLst>
+  </p:cSld>
+  <p:clrMapOvr>
+    <a:masterClrMapping/>
+  </p:clrMapOvr>
+</p:notes>
+</file>
+
+<file path=ppt/notesSlides/notesSlide2.xml><?xml version="1.0" encoding="utf-8"?>
+<p:notes xmlns:a="http://schemas.openxmlformats.org/drawingml/2006/main" xmlns:r="http://schemas.openxmlformats.org/officeDocument/2006/relationships" xmlns:p="http://schemas.openxmlformats.org/presentationml/2006/main">
+  <p:cSld>
+    <p:spTree>
+      <p:nvGrpSpPr>
+        <p:cNvPr id="1" name=""/>
+        <p:cNvGrpSpPr/>
+        <p:nvPr/>
+      </p:nvGrpSpPr>
+      <p:grpSpPr>
+        <a:xfrm>
+          <a:off x="0" y="0"/>
+          <a:ext cx="0" cy="0"/>
+          <a:chOff x="0" y="0"/>
+          <a:chExt cx="0" cy="0"/>
+        </a:xfrm>
+      </p:grpSpPr>
+      <p:sp>
+        <p:nvSpPr>
+          <p:cNvPr id="2" name="Slide Image Placeholder 1"/>
+          <p:cNvSpPr>
+            <a:spLocks noGrp="1" noRot="1" noChangeAspect="1"/>
+          </p:cNvSpPr>
+          <p:nvPr>
+            <p:ph type="sldImg"/>
+          </p:nvPr>
+        </p:nvSpPr>
+        <p:spPr/>
+      </p:sp>
+      <p:sp>
+        <p:nvSpPr>
+          <p:cNvPr id="3" name="Notes Placeholder 2"/>
+          <p:cNvSpPr>
+            <a:spLocks noGrp="1"/>
+          </p:cNvSpPr>
+          <p:nvPr>
+            <p:ph type="body" idx="1"/>
+          </p:nvPr>
+        </p:nvSpPr>
+        <p:spPr/>
+        <p:txBody>
+          <a:bodyPr/>
+          <a:lstStyle/>
+          <a:p>
+            <a:r>
+              <a:rPr lang="en-US" dirty="0"/>
+              <a:t>Let me call the drone a quadrotor or the quad. </a:t>
+            </a:r>
+          </a:p>
+          <a:p>
+            <a:endParaRPr lang="en-US" dirty="0"/>
+          </a:p>
+          <a:p>
+            <a:r>
+              <a:rPr lang="en-US" dirty="0"/>
+              <a:t>So, before we actually worked on the algorithm, Each of us first developed a simulation that would simulate the Drone’s flight behaviors on MATLAB.</a:t>
+            </a:r>
+          </a:p>
+          <a:p>
+            <a:endParaRPr lang="en-US" dirty="0"/>
+          </a:p>
+          <a:p>
+            <a:r>
+              <a:rPr lang="en-US" dirty="0"/>
+              <a:t>I first modeled the drone’s dynamics  with 4 ODE.</a:t>
+            </a:r>
+          </a:p>
+          <a:p>
+            <a:endParaRPr lang="en-US" dirty="0"/>
+          </a:p>
+          <a:p>
+            <a:r>
+              <a:rPr lang="en-US" dirty="0"/>
+              <a:t>The first equation was the velocity, which is just defined here.</a:t>
+            </a:r>
+          </a:p>
+          <a:p>
+            <a:endParaRPr lang="en-US" dirty="0"/>
+          </a:p>
+          <a:p>
+            <a:r>
+              <a:rPr lang="en-US" dirty="0"/>
+              <a:t>The dynamic equation for the acceleration was determined by the forces acting on the drone. We have the drag force acting against the motion of the quad. Here is the gravity. The next term is the upward force exerted by the fans onto the quad, and we have four of those. Lastly, the any other disturbance force was modeled as a noise.</a:t>
+            </a:r>
+          </a:p>
+          <a:p>
+            <a:endParaRPr lang="en-US" dirty="0"/>
+          </a:p>
+          <a:p>
+            <a:r>
+              <a:rPr lang="en-US" dirty="0"/>
+              <a:t>The angular acceleration is defined by this third equation. This is what you get if you take the derivative of angular velocity. Nb term is the torque combination caused by the propeller spinning against the air, and also the torque caused by the thrust force that keeps the drone in air, which could make the quad flip over.</a:t>
+            </a:r>
+          </a:p>
+          <a:p>
+            <a:endParaRPr lang="en-US" dirty="0"/>
+          </a:p>
+          <a:p>
+            <a:r>
+              <a:rPr lang="en-US" dirty="0"/>
+              <a:t>Lastly, we have the equation for the change in the attitude matrix. (used rotation matrix to avoid gimbal lock)</a:t>
+            </a:r>
+          </a:p>
+          <a:p>
+            <a:endParaRPr lang="en-US" dirty="0"/>
+          </a:p>
+          <a:p>
+            <a:endParaRPr lang="en-US" dirty="0"/>
+          </a:p>
+          <a:p>
+            <a:endParaRPr lang="en-US" dirty="0"/>
+          </a:p>
+          <a:p>
+            <a:endParaRPr lang="en-US" dirty="0"/>
+          </a:p>
+        </p:txBody>
+      </p:sp>
+      <p:sp>
+        <p:nvSpPr>
+          <p:cNvPr id="4" name="Slide Number Placeholder 3"/>
+          <p:cNvSpPr>
+            <a:spLocks noGrp="1"/>
+          </p:cNvSpPr>
+          <p:nvPr>
+            <p:ph type="sldNum" sz="quarter" idx="5"/>
+          </p:nvPr>
+        </p:nvSpPr>
+        <p:spPr/>
+        <p:txBody>
+          <a:bodyPr/>
+          <a:lstStyle/>
+          <a:p>
+            <a:fld id="{DE54F22B-1B02-4873-9C88-FE93B1047223}" type="slidenum">
+              <a:rPr lang="en-US" smtClean="0"/>
+              <a:t>7</a:t>
+            </a:fld>
+            <a:endParaRPr lang="en-US"/>
+          </a:p>
+        </p:txBody>
+      </p:sp>
+    </p:spTree>
+    <p:extLst>
+      <p:ext uri="{BB962C8B-B14F-4D97-AF65-F5344CB8AC3E}">
+        <p14:creationId xmlns:p14="http://schemas.microsoft.com/office/powerpoint/2010/main" val="2739469098"/>
+      </p:ext>
+    </p:extLst>
+  </p:cSld>
+  <p:clrMapOvr>
+    <a:masterClrMapping/>
+  </p:clrMapOvr>
+</p:notes>
+</file>
+
+<file path=ppt/notesSlides/notesSlide3.xml><?xml version="1.0" encoding="utf-8"?>
+<p:notes xmlns:a="http://schemas.openxmlformats.org/drawingml/2006/main" xmlns:r="http://schemas.openxmlformats.org/officeDocument/2006/relationships" xmlns:p="http://schemas.openxmlformats.org/presentationml/2006/main">
+  <p:cSld>
+    <p:spTree>
+      <p:nvGrpSpPr>
+        <p:cNvPr id="1" name=""/>
+        <p:cNvGrpSpPr/>
+        <p:nvPr/>
+      </p:nvGrpSpPr>
+      <p:grpSpPr>
+        <a:xfrm>
+          <a:off x="0" y="0"/>
+          <a:ext cx="0" cy="0"/>
+          <a:chOff x="0" y="0"/>
+          <a:chExt cx="0" cy="0"/>
+        </a:xfrm>
+      </p:grpSpPr>
+      <p:sp>
+        <p:nvSpPr>
+          <p:cNvPr id="2" name="Slide Image Placeholder 1"/>
+          <p:cNvSpPr>
+            <a:spLocks noGrp="1" noRot="1" noChangeAspect="1"/>
+          </p:cNvSpPr>
+          <p:nvPr>
+            <p:ph type="sldImg"/>
+          </p:nvPr>
+        </p:nvSpPr>
+        <p:spPr/>
+      </p:sp>
+      <p:sp>
+        <p:nvSpPr>
+          <p:cNvPr id="3" name="Notes Placeholder 2"/>
+          <p:cNvSpPr>
+            <a:spLocks noGrp="1"/>
+          </p:cNvSpPr>
+          <p:nvPr>
+            <p:ph type="body" idx="1"/>
+          </p:nvPr>
+        </p:nvSpPr>
+        <p:spPr/>
+        <p:txBody>
+          <a:bodyPr/>
+          <a:lstStyle/>
+          <a:p>
+            <a:r>
+              <a:rPr lang="en-US" dirty="0"/>
+              <a:t>Here is the schematic of the control system we were simulating for. The two controllers, attitude and trajectory, were used.</a:t>
+            </a:r>
+          </a:p>
+          <a:p>
+            <a:endParaRPr lang="en-US" dirty="0"/>
+          </a:p>
+          <a:p>
+            <a:endParaRPr lang="en-US" dirty="0"/>
+          </a:p>
+          <a:p>
+            <a:endParaRPr lang="en-US"/>
+          </a:p>
+          <a:p>
+            <a:endParaRPr lang="en-US" dirty="0"/>
+          </a:p>
+          <a:p>
+            <a:endParaRPr lang="en-US" dirty="0"/>
+          </a:p>
+          <a:p>
+            <a:endParaRPr lang="en-US" dirty="0"/>
+          </a:p>
+          <a:p>
+            <a:r>
+              <a:rPr lang="en-US" dirty="0"/>
+              <a:t>I tuned PD controllers for attitude and trajectory adjustments (mention and talk about classical control theory?).</a:t>
+            </a:r>
+          </a:p>
+          <a:p>
+            <a:endParaRPr lang="en-US" dirty="0"/>
+          </a:p>
+          <a:p>
+            <a:r>
+              <a:rPr lang="en-US" dirty="0"/>
+              <a:t> I modeled sensors, such as GNSS measurements for positioning ( can talk about how I modeled it).</a:t>
+            </a:r>
+          </a:p>
+          <a:p>
+            <a:endParaRPr lang="en-US" dirty="0"/>
+          </a:p>
+          <a:p>
+            <a:r>
+              <a:rPr lang="en-US" dirty="0"/>
+              <a:t>IMU for linear and angular acceleration measurements, and camera for ballon detection.</a:t>
+            </a:r>
+          </a:p>
+          <a:p>
+            <a:endParaRPr lang="en-US" dirty="0"/>
+          </a:p>
+          <a:p>
+            <a:r>
+              <a:rPr lang="en-US" dirty="0"/>
+              <a:t>Lastly, given Extended Kalman filter and unscented Kalman filters were incorporated into my simulation for a better state estimates in the simulation</a:t>
+            </a:r>
+          </a:p>
+          <a:p>
+            <a:endParaRPr lang="en-US" dirty="0"/>
+          </a:p>
+        </p:txBody>
+      </p:sp>
+      <p:sp>
+        <p:nvSpPr>
+          <p:cNvPr id="4" name="Slide Number Placeholder 3"/>
+          <p:cNvSpPr>
+            <a:spLocks noGrp="1"/>
+          </p:cNvSpPr>
+          <p:nvPr>
+            <p:ph type="sldNum" sz="quarter" idx="5"/>
+          </p:nvPr>
+        </p:nvSpPr>
+        <p:spPr/>
+        <p:txBody>
+          <a:bodyPr/>
+          <a:lstStyle/>
+          <a:p>
+            <a:fld id="{DE54F22B-1B02-4873-9C88-FE93B1047223}" type="slidenum">
+              <a:rPr lang="en-US" smtClean="0"/>
+              <a:t>8</a:t>
+            </a:fld>
+            <a:endParaRPr lang="en-US"/>
+          </a:p>
+        </p:txBody>
+      </p:sp>
+    </p:spTree>
+    <p:extLst>
+      <p:ext uri="{BB962C8B-B14F-4D97-AF65-F5344CB8AC3E}">
+        <p14:creationId xmlns:p14="http://schemas.microsoft.com/office/powerpoint/2010/main" val="3187354755"/>
+      </p:ext>
+    </p:extLst>
+  </p:cSld>
+  <p:clrMapOvr>
+    <a:masterClrMapping/>
+  </p:clrMapOvr>
+</p:notes>
 </file>
 
 <file path=ppt/slideLayouts/slideLayout1.xml><?xml version="1.0" encoding="utf-8"?>
@@ -257,7 +1029,7 @@
           <a:p>
             <a:fld id="{2DD1A09F-72C4-4411-97A4-913FDB3DE689}" type="datetimeFigureOut">
               <a:rPr lang="en-US" smtClean="0"/>
-              <a:t>7/15/2024</a:t>
+              <a:t>7/16/2024</a:t>
             </a:fld>
             <a:endParaRPr lang="en-US"/>
           </a:p>
@@ -455,7 +1227,7 @@
           <a:p>
             <a:fld id="{2DD1A09F-72C4-4411-97A4-913FDB3DE689}" type="datetimeFigureOut">
               <a:rPr lang="en-US" smtClean="0"/>
-              <a:t>7/15/2024</a:t>
+              <a:t>7/16/2024</a:t>
             </a:fld>
             <a:endParaRPr lang="en-US"/>
           </a:p>
@@ -663,7 +1435,7 @@
           <a:p>
             <a:fld id="{2DD1A09F-72C4-4411-97A4-913FDB3DE689}" type="datetimeFigureOut">
               <a:rPr lang="en-US" smtClean="0"/>
-              <a:t>7/15/2024</a:t>
+              <a:t>7/16/2024</a:t>
             </a:fld>
             <a:endParaRPr lang="en-US"/>
           </a:p>
@@ -861,7 +1633,7 @@
           <a:p>
             <a:fld id="{2DD1A09F-72C4-4411-97A4-913FDB3DE689}" type="datetimeFigureOut">
               <a:rPr lang="en-US" smtClean="0"/>
-              <a:t>7/15/2024</a:t>
+              <a:t>7/16/2024</a:t>
             </a:fld>
             <a:endParaRPr lang="en-US"/>
           </a:p>
@@ -1136,7 +1908,7 @@
           <a:p>
             <a:fld id="{2DD1A09F-72C4-4411-97A4-913FDB3DE689}" type="datetimeFigureOut">
               <a:rPr lang="en-US" smtClean="0"/>
-              <a:t>7/15/2024</a:t>
+              <a:t>7/16/2024</a:t>
             </a:fld>
             <a:endParaRPr lang="en-US"/>
           </a:p>
@@ -1401,7 +2173,7 @@
           <a:p>
             <a:fld id="{2DD1A09F-72C4-4411-97A4-913FDB3DE689}" type="datetimeFigureOut">
               <a:rPr lang="en-US" smtClean="0"/>
-              <a:t>7/15/2024</a:t>
+              <a:t>7/16/2024</a:t>
             </a:fld>
             <a:endParaRPr lang="en-US"/>
           </a:p>
@@ -1813,7 +2585,7 @@
           <a:p>
             <a:fld id="{2DD1A09F-72C4-4411-97A4-913FDB3DE689}" type="datetimeFigureOut">
               <a:rPr lang="en-US" smtClean="0"/>
-              <a:t>7/15/2024</a:t>
+              <a:t>7/16/2024</a:t>
             </a:fld>
             <a:endParaRPr lang="en-US"/>
           </a:p>
@@ -1954,7 +2726,7 @@
           <a:p>
             <a:fld id="{2DD1A09F-72C4-4411-97A4-913FDB3DE689}" type="datetimeFigureOut">
               <a:rPr lang="en-US" smtClean="0"/>
-              <a:t>7/15/2024</a:t>
+              <a:t>7/16/2024</a:t>
             </a:fld>
             <a:endParaRPr lang="en-US"/>
           </a:p>
@@ -2067,7 +2839,7 @@
           <a:p>
             <a:fld id="{2DD1A09F-72C4-4411-97A4-913FDB3DE689}" type="datetimeFigureOut">
               <a:rPr lang="en-US" smtClean="0"/>
-              <a:t>7/15/2024</a:t>
+              <a:t>7/16/2024</a:t>
             </a:fld>
             <a:endParaRPr lang="en-US"/>
           </a:p>
@@ -2378,7 +3150,7 @@
           <a:p>
             <a:fld id="{2DD1A09F-72C4-4411-97A4-913FDB3DE689}" type="datetimeFigureOut">
               <a:rPr lang="en-US" smtClean="0"/>
-              <a:t>7/15/2024</a:t>
+              <a:t>7/16/2024</a:t>
             </a:fld>
             <a:endParaRPr lang="en-US"/>
           </a:p>
@@ -2666,7 +3438,7 @@
           <a:p>
             <a:fld id="{2DD1A09F-72C4-4411-97A4-913FDB3DE689}" type="datetimeFigureOut">
               <a:rPr lang="en-US" smtClean="0"/>
-              <a:t>7/15/2024</a:t>
+              <a:t>7/16/2024</a:t>
             </a:fld>
             <a:endParaRPr lang="en-US"/>
           </a:p>
@@ -2907,7 +3679,7 @@
           <a:p>
             <a:fld id="{2DD1A09F-72C4-4411-97A4-913FDB3DE689}" type="datetimeFigureOut">
               <a:rPr lang="en-US" smtClean="0"/>
-              <a:t>7/15/2024</a:t>
+              <a:t>7/16/2024</a:t>
             </a:fld>
             <a:endParaRPr lang="en-US"/>
           </a:p>
@@ -3481,13 +4253,13 @@
           <a:p>
             <a:r>
               <a:rPr lang="en-US" dirty="0"/>
-              <a:t>Hobbies: Visiting National Parks! Listening to Science Podcasts!</a:t>
+              <a:t>Hobbies: Visiting National Parks, Listening to Science Podcasts</a:t>
             </a:r>
           </a:p>
           <a:p>
             <a:r>
               <a:rPr lang="en-US" dirty="0"/>
-              <a:t>Obtained American Citizenship on August 2023</a:t>
+              <a:t>Obtained American Citizenship in August 2023</a:t>
             </a:r>
           </a:p>
         </p:txBody>
@@ -3656,7 +4428,10 @@
             </a:r>
           </a:p>
           <a:p>
-            <a:endParaRPr lang="en-US" dirty="0"/>
+            <a:r>
+              <a:rPr lang="en-US" dirty="0"/>
+              <a:t>Master coursework in Controls engineering and aerospace</a:t>
+            </a:r>
           </a:p>
         </p:txBody>
       </p:sp>
@@ -3747,6 +4522,360 @@
     <p:extLst>
       <p:ext uri="{BB962C8B-B14F-4D97-AF65-F5344CB8AC3E}">
         <p14:creationId xmlns:p14="http://schemas.microsoft.com/office/powerpoint/2010/main" val="2818776370"/>
+      </p:ext>
+    </p:extLst>
+  </p:cSld>
+  <p:clrMapOvr>
+    <a:masterClrMapping/>
+  </p:clrMapOvr>
+</p:sld>
+</file>
+
+<file path=ppt/slides/slide5.xml><?xml version="1.0" encoding="utf-8"?>
+<p:sld xmlns:a="http://schemas.openxmlformats.org/drawingml/2006/main" xmlns:r="http://schemas.openxmlformats.org/officeDocument/2006/relationships" xmlns:p="http://schemas.openxmlformats.org/presentationml/2006/main">
+  <p:cSld>
+    <p:spTree>
+      <p:nvGrpSpPr>
+        <p:cNvPr id="1" name=""/>
+        <p:cNvGrpSpPr/>
+        <p:nvPr/>
+      </p:nvGrpSpPr>
+      <p:grpSpPr>
+        <a:xfrm>
+          <a:off x="0" y="0"/>
+          <a:ext cx="0" cy="0"/>
+          <a:chOff x="0" y="0"/>
+          <a:chExt cx="0" cy="0"/>
+        </a:xfrm>
+      </p:grpSpPr>
+      <p:sp>
+        <p:nvSpPr>
+          <p:cNvPr id="2" name="Title 1">
+            <a:extLst>
+              <a:ext uri="{FF2B5EF4-FFF2-40B4-BE49-F238E27FC236}">
+                <a16:creationId xmlns:a16="http://schemas.microsoft.com/office/drawing/2014/main" id="{104ACEDB-8592-BBE5-08E1-D8190DF7CF47}"/>
+              </a:ext>
+            </a:extLst>
+          </p:cNvPr>
+          <p:cNvSpPr>
+            <a:spLocks noGrp="1"/>
+          </p:cNvSpPr>
+          <p:nvPr>
+            <p:ph type="ctrTitle"/>
+          </p:nvPr>
+        </p:nvSpPr>
+        <p:spPr/>
+        <p:txBody>
+          <a:bodyPr/>
+          <a:lstStyle/>
+          <a:p>
+            <a:r>
+              <a:rPr lang="en-US" dirty="0"/>
+              <a:t>Projects</a:t>
+            </a:r>
+          </a:p>
+        </p:txBody>
+      </p:sp>
+      <p:sp>
+        <p:nvSpPr>
+          <p:cNvPr id="3" name="Subtitle 2">
+            <a:extLst>
+              <a:ext uri="{FF2B5EF4-FFF2-40B4-BE49-F238E27FC236}">
+                <a16:creationId xmlns:a16="http://schemas.microsoft.com/office/drawing/2014/main" id="{F7DABB52-2B62-2302-37DC-A933A32A9665}"/>
+              </a:ext>
+            </a:extLst>
+          </p:cNvPr>
+          <p:cNvSpPr>
+            <a:spLocks noGrp="1"/>
+          </p:cNvSpPr>
+          <p:nvPr>
+            <p:ph type="subTitle" idx="1"/>
+          </p:nvPr>
+        </p:nvSpPr>
+        <p:spPr/>
+        <p:txBody>
+          <a:bodyPr/>
+          <a:lstStyle/>
+          <a:p>
+            <a:endParaRPr lang="en-US"/>
+          </a:p>
+        </p:txBody>
+      </p:sp>
+    </p:spTree>
+    <p:extLst>
+      <p:ext uri="{BB962C8B-B14F-4D97-AF65-F5344CB8AC3E}">
+        <p14:creationId xmlns:p14="http://schemas.microsoft.com/office/powerpoint/2010/main" val="1168211311"/>
+      </p:ext>
+    </p:extLst>
+  </p:cSld>
+  <p:clrMapOvr>
+    <a:masterClrMapping/>
+  </p:clrMapOvr>
+</p:sld>
+</file>
+
+<file path=ppt/slides/slide6.xml><?xml version="1.0" encoding="utf-8"?>
+<p:sld xmlns:a="http://schemas.openxmlformats.org/drawingml/2006/main" xmlns:r="http://schemas.openxmlformats.org/officeDocument/2006/relationships" xmlns:p="http://schemas.openxmlformats.org/presentationml/2006/main">
+  <p:cSld>
+    <p:spTree>
+      <p:nvGrpSpPr>
+        <p:cNvPr id="1" name=""/>
+        <p:cNvGrpSpPr/>
+        <p:nvPr/>
+      </p:nvGrpSpPr>
+      <p:grpSpPr>
+        <a:xfrm>
+          <a:off x="0" y="0"/>
+          <a:ext cx="0" cy="0"/>
+          <a:chOff x="0" y="0"/>
+          <a:chExt cx="0" cy="0"/>
+        </a:xfrm>
+      </p:grpSpPr>
+      <p:sp>
+        <p:nvSpPr>
+          <p:cNvPr id="2" name="Title 1">
+            <a:extLst>
+              <a:ext uri="{FF2B5EF4-FFF2-40B4-BE49-F238E27FC236}">
+                <a16:creationId xmlns:a16="http://schemas.microsoft.com/office/drawing/2014/main" id="{7C6C2449-F659-6687-3FA7-B4FFF6482B84}"/>
+              </a:ext>
+            </a:extLst>
+          </p:cNvPr>
+          <p:cNvSpPr>
+            <a:spLocks noGrp="1"/>
+          </p:cNvSpPr>
+          <p:nvPr>
+            <p:ph type="title"/>
+          </p:nvPr>
+        </p:nvSpPr>
+        <p:spPr/>
+        <p:txBody>
+          <a:bodyPr/>
+          <a:lstStyle/>
+          <a:p>
+            <a:r>
+              <a:rPr lang="en-US" dirty="0"/>
+              <a:t>Aerial Robotics (Drone)</a:t>
+            </a:r>
+          </a:p>
+        </p:txBody>
+      </p:sp>
+      <p:sp>
+        <p:nvSpPr>
+          <p:cNvPr id="3" name="Content Placeholder 2">
+            <a:extLst>
+              <a:ext uri="{FF2B5EF4-FFF2-40B4-BE49-F238E27FC236}">
+                <a16:creationId xmlns:a16="http://schemas.microsoft.com/office/drawing/2014/main" id="{283F750E-2465-D07D-297A-D0C8FF89DDBB}"/>
+              </a:ext>
+            </a:extLst>
+          </p:cNvPr>
+          <p:cNvSpPr>
+            <a:spLocks noGrp="1"/>
+          </p:cNvSpPr>
+          <p:nvPr>
+            <p:ph idx="1"/>
+          </p:nvPr>
+        </p:nvSpPr>
+        <p:spPr/>
+        <p:txBody>
+          <a:bodyPr/>
+          <a:lstStyle/>
+          <a:p>
+            <a:r>
+              <a:rPr lang="en-US" dirty="0"/>
+              <a:t>2024 Spring (Last Semester)</a:t>
+            </a:r>
+          </a:p>
+          <a:p>
+            <a:endParaRPr lang="en-US" dirty="0"/>
+          </a:p>
+        </p:txBody>
+      </p:sp>
+    </p:spTree>
+    <p:extLst>
+      <p:ext uri="{BB962C8B-B14F-4D97-AF65-F5344CB8AC3E}">
+        <p14:creationId xmlns:p14="http://schemas.microsoft.com/office/powerpoint/2010/main" val="1900226431"/>
+      </p:ext>
+    </p:extLst>
+  </p:cSld>
+  <p:clrMapOvr>
+    <a:masterClrMapping/>
+  </p:clrMapOvr>
+</p:sld>
+</file>
+
+<file path=ppt/slides/slide7.xml><?xml version="1.0" encoding="utf-8"?>
+<p:sld xmlns:a="http://schemas.openxmlformats.org/drawingml/2006/main" xmlns:r="http://schemas.openxmlformats.org/officeDocument/2006/relationships" xmlns:p="http://schemas.openxmlformats.org/presentationml/2006/main">
+  <p:cSld>
+    <p:spTree>
+      <p:nvGrpSpPr>
+        <p:cNvPr id="1" name=""/>
+        <p:cNvGrpSpPr/>
+        <p:nvPr/>
+      </p:nvGrpSpPr>
+      <p:grpSpPr>
+        <a:xfrm>
+          <a:off x="0" y="0"/>
+          <a:ext cx="0" cy="0"/>
+          <a:chOff x="0" y="0"/>
+          <a:chExt cx="0" cy="0"/>
+        </a:xfrm>
+      </p:grpSpPr>
+      <p:sp>
+        <p:nvSpPr>
+          <p:cNvPr id="2" name="Title 1">
+            <a:extLst>
+              <a:ext uri="{FF2B5EF4-FFF2-40B4-BE49-F238E27FC236}">
+                <a16:creationId xmlns:a16="http://schemas.microsoft.com/office/drawing/2014/main" id="{75776EA0-935E-F08A-CF24-50F8CF425B4F}"/>
+              </a:ext>
+            </a:extLst>
+          </p:cNvPr>
+          <p:cNvSpPr>
+            <a:spLocks noGrp="1"/>
+          </p:cNvSpPr>
+          <p:nvPr>
+            <p:ph type="title"/>
+          </p:nvPr>
+        </p:nvSpPr>
+        <p:spPr/>
+        <p:txBody>
+          <a:bodyPr/>
+          <a:lstStyle/>
+          <a:p>
+            <a:r>
+              <a:rPr lang="en-US" dirty="0"/>
+              <a:t>Aerial Robotics (Drone)</a:t>
+            </a:r>
+            <a:br>
+              <a:rPr lang="en-US" dirty="0"/>
+            </a:br>
+            <a:r>
+              <a:rPr lang="en-US" sz="2800" dirty="0"/>
+              <a:t>Quadrotor Dynamics</a:t>
+            </a:r>
+            <a:endParaRPr lang="en-US" dirty="0"/>
+          </a:p>
+        </p:txBody>
+      </p:sp>
+      <p:sp>
+        <p:nvSpPr>
+          <p:cNvPr id="3" name="Content Placeholder 2">
+            <a:extLst>
+              <a:ext uri="{FF2B5EF4-FFF2-40B4-BE49-F238E27FC236}">
+                <a16:creationId xmlns:a16="http://schemas.microsoft.com/office/drawing/2014/main" id="{58A94242-0635-6586-075E-0AD42EFA24F1}"/>
+              </a:ext>
+            </a:extLst>
+          </p:cNvPr>
+          <p:cNvSpPr>
+            <a:spLocks noGrp="1"/>
+          </p:cNvSpPr>
+          <p:nvPr>
+            <p:ph idx="1"/>
+          </p:nvPr>
+        </p:nvSpPr>
+        <p:spPr/>
+        <p:txBody>
+          <a:bodyPr/>
+          <a:lstStyle/>
+          <a:p>
+            <a:endParaRPr lang="en-US" dirty="0"/>
+          </a:p>
+        </p:txBody>
+      </p:sp>
+    </p:spTree>
+    <p:extLst>
+      <p:ext uri="{BB962C8B-B14F-4D97-AF65-F5344CB8AC3E}">
+        <p14:creationId xmlns:p14="http://schemas.microsoft.com/office/powerpoint/2010/main" val="3542243799"/>
+      </p:ext>
+    </p:extLst>
+  </p:cSld>
+  <p:clrMapOvr>
+    <a:masterClrMapping/>
+  </p:clrMapOvr>
+</p:sld>
+</file>
+
+<file path=ppt/slides/slide8.xml><?xml version="1.0" encoding="utf-8"?>
+<p:sld xmlns:a="http://schemas.openxmlformats.org/drawingml/2006/main" xmlns:r="http://schemas.openxmlformats.org/officeDocument/2006/relationships" xmlns:p="http://schemas.openxmlformats.org/presentationml/2006/main">
+  <p:cSld>
+    <p:spTree>
+      <p:nvGrpSpPr>
+        <p:cNvPr id="1" name=""/>
+        <p:cNvGrpSpPr/>
+        <p:nvPr/>
+      </p:nvGrpSpPr>
+      <p:grpSpPr>
+        <a:xfrm>
+          <a:off x="0" y="0"/>
+          <a:ext cx="0" cy="0"/>
+          <a:chOff x="0" y="0"/>
+          <a:chExt cx="0" cy="0"/>
+        </a:xfrm>
+      </p:grpSpPr>
+      <p:sp>
+        <p:nvSpPr>
+          <p:cNvPr id="2" name="Title 1">
+            <a:extLst>
+              <a:ext uri="{FF2B5EF4-FFF2-40B4-BE49-F238E27FC236}">
+                <a16:creationId xmlns:a16="http://schemas.microsoft.com/office/drawing/2014/main" id="{B2F00092-A672-E66F-0B64-95339360D7DC}"/>
+              </a:ext>
+            </a:extLst>
+          </p:cNvPr>
+          <p:cNvSpPr>
+            <a:spLocks noGrp="1"/>
+          </p:cNvSpPr>
+          <p:nvPr>
+            <p:ph type="title"/>
+          </p:nvPr>
+        </p:nvSpPr>
+        <p:spPr/>
+        <p:txBody>
+          <a:bodyPr/>
+          <a:lstStyle/>
+          <a:p>
+            <a:r>
+              <a:rPr lang="en-US" dirty="0"/>
+              <a:t>Aerial Robotics (Drone)</a:t>
+            </a:r>
+            <a:br>
+              <a:rPr lang="en-US" dirty="0"/>
+            </a:br>
+            <a:r>
+              <a:rPr lang="en-US" sz="2800" dirty="0"/>
+              <a:t>PD controller</a:t>
+            </a:r>
+            <a:endParaRPr lang="en-US" dirty="0"/>
+          </a:p>
+        </p:txBody>
+      </p:sp>
+      <p:sp>
+        <p:nvSpPr>
+          <p:cNvPr id="3" name="Content Placeholder 2">
+            <a:extLst>
+              <a:ext uri="{FF2B5EF4-FFF2-40B4-BE49-F238E27FC236}">
+                <a16:creationId xmlns:a16="http://schemas.microsoft.com/office/drawing/2014/main" id="{93D4A6FA-CCA4-D2FF-F0F5-2FBDC2A4FAF1}"/>
+              </a:ext>
+            </a:extLst>
+          </p:cNvPr>
+          <p:cNvSpPr>
+            <a:spLocks noGrp="1"/>
+          </p:cNvSpPr>
+          <p:nvPr>
+            <p:ph idx="1"/>
+          </p:nvPr>
+        </p:nvSpPr>
+        <p:spPr/>
+        <p:txBody>
+          <a:bodyPr/>
+          <a:lstStyle/>
+          <a:p>
+            <a:endParaRPr lang="en-US" dirty="0"/>
+          </a:p>
+        </p:txBody>
+      </p:sp>
+    </p:spTree>
+    <p:extLst>
+      <p:ext uri="{BB962C8B-B14F-4D97-AF65-F5344CB8AC3E}">
+        <p14:creationId xmlns:p14="http://schemas.microsoft.com/office/powerpoint/2010/main" val="968978748"/>
       </p:ext>
     </p:extLst>
   </p:cSld>
@@ -4069,4 +5198,319 @@
     </a:ext>
   </a:extLst>
 </a:theme>
+</file>
+
+<file path=ppt/theme/theme2.xml><?xml version="1.0" encoding="utf-8"?>
+<a:theme xmlns:a="http://schemas.openxmlformats.org/drawingml/2006/main" name="Office Theme">
+  <a:themeElements>
+    <a:clrScheme name="Office">
+      <a:dk1>
+        <a:sysClr val="windowText" lastClr="000000"/>
+      </a:dk1>
+      <a:lt1>
+        <a:sysClr val="window" lastClr="FFFFFF"/>
+      </a:lt1>
+      <a:dk2>
+        <a:srgbClr val="0E2841"/>
+      </a:dk2>
+      <a:lt2>
+        <a:srgbClr val="E8E8E8"/>
+      </a:lt2>
+      <a:accent1>
+        <a:srgbClr val="156082"/>
+      </a:accent1>
+      <a:accent2>
+        <a:srgbClr val="E97132"/>
+      </a:accent2>
+      <a:accent3>
+        <a:srgbClr val="196B24"/>
+      </a:accent3>
+      <a:accent4>
+        <a:srgbClr val="0F9ED5"/>
+      </a:accent4>
+      <a:accent5>
+        <a:srgbClr val="A02B93"/>
+      </a:accent5>
+      <a:accent6>
+        <a:srgbClr val="4EA72E"/>
+      </a:accent6>
+      <a:hlink>
+        <a:srgbClr val="467886"/>
+      </a:hlink>
+      <a:folHlink>
+        <a:srgbClr val="96607D"/>
+      </a:folHlink>
+    </a:clrScheme>
+    <a:fontScheme name="Office">
+      <a:majorFont>
+        <a:latin typeface="Aptos Display" panose="02110004020202020204"/>
+        <a:ea typeface=""/>
+        <a:cs typeface=""/>
+        <a:font script="Jpan" typeface="游ゴシック Light"/>
+        <a:font script="Hang" typeface="맑은 고딕"/>
+        <a:font script="Hans" typeface="等线 Light"/>
+        <a:font script="Hant" typeface="新細明體"/>
+        <a:font script="Arab" typeface="Times New Roman"/>
+        <a:font script="Hebr" typeface="Times New Roman"/>
+        <a:font script="Thai" typeface="Angsana New"/>
+        <a:font script="Ethi" typeface="Nyala"/>
+        <a:font script="Beng" typeface="Vrinda"/>
+        <a:font script="Gujr" typeface="Shruti"/>
+        <a:font script="Khmr" typeface="MoolBoran"/>
+        <a:font script="Knda" typeface="Tunga"/>
+        <a:font script="Guru" typeface="Raavi"/>
+        <a:font script="Cans" typeface="Euphemia"/>
+        <a:font script="Cher" typeface="Plantagenet Cherokee"/>
+        <a:font script="Yiii" typeface="Microsoft Yi Baiti"/>
+        <a:font script="Tibt" typeface="Microsoft Himalaya"/>
+        <a:font script="Thaa" typeface="MV Boli"/>
+        <a:font script="Deva" typeface="Mangal"/>
+        <a:font script="Telu" typeface="Gautami"/>
+        <a:font script="Taml" typeface="Latha"/>
+        <a:font script="Syrc" typeface="Estrangelo Edessa"/>
+        <a:font script="Orya" typeface="Kalinga"/>
+        <a:font script="Mlym" typeface="Kartika"/>
+        <a:font script="Laoo" typeface="DokChampa"/>
+        <a:font script="Sinh" typeface="Iskoola Pota"/>
+        <a:font script="Mong" typeface="Mongolian Baiti"/>
+        <a:font script="Viet" typeface="Times New Roman"/>
+        <a:font script="Uigh" typeface="Microsoft Uighur"/>
+        <a:font script="Geor" typeface="Sylfaen"/>
+        <a:font script="Armn" typeface="Arial"/>
+        <a:font script="Bugi" typeface="Leelawadee UI"/>
+        <a:font script="Bopo" typeface="Microsoft JhengHei"/>
+        <a:font script="Java" typeface="Javanese Text"/>
+        <a:font script="Lisu" typeface="Segoe UI"/>
+        <a:font script="Mymr" typeface="Myanmar Text"/>
+        <a:font script="Nkoo" typeface="Ebrima"/>
+        <a:font script="Olck" typeface="Nirmala UI"/>
+        <a:font script="Osma" typeface="Ebrima"/>
+        <a:font script="Phag" typeface="Phagspa"/>
+        <a:font script="Syrn" typeface="Estrangelo Edessa"/>
+        <a:font script="Syrj" typeface="Estrangelo Edessa"/>
+        <a:font script="Syre" typeface="Estrangelo Edessa"/>
+        <a:font script="Sora" typeface="Nirmala UI"/>
+        <a:font script="Tale" typeface="Microsoft Tai Le"/>
+        <a:font script="Talu" typeface="Microsoft New Tai Lue"/>
+        <a:font script="Tfng" typeface="Ebrima"/>
+      </a:majorFont>
+      <a:minorFont>
+        <a:latin typeface="Aptos" panose="02110004020202020204"/>
+        <a:ea typeface=""/>
+        <a:cs typeface=""/>
+        <a:font script="Jpan" typeface="游ゴシック"/>
+        <a:font script="Hang" typeface="맑은 고딕"/>
+        <a:font script="Hans" typeface="等线"/>
+        <a:font script="Hant" typeface="新細明體"/>
+        <a:font script="Arab" typeface="Arial"/>
+        <a:font script="Hebr" typeface="Arial"/>
+        <a:font script="Thai" typeface="Cordia New"/>
+        <a:font script="Ethi" typeface="Nyala"/>
+        <a:font script="Beng" typeface="Vrinda"/>
+        <a:font script="Gujr" typeface="Shruti"/>
+        <a:font script="Khmr" typeface="DaunPenh"/>
+        <a:font script="Knda" typeface="Tunga"/>
+        <a:font script="Guru" typeface="Raavi"/>
+        <a:font script="Cans" typeface="Euphemia"/>
+        <a:font script="Cher" typeface="Plantagenet Cherokee"/>
+        <a:font script="Yiii" typeface="Microsoft Yi Baiti"/>
+        <a:font script="Tibt" typeface="Microsoft Himalaya"/>
+        <a:font script="Thaa" typeface="MV Boli"/>
+        <a:font script="Deva" typeface="Mangal"/>
+        <a:font script="Telu" typeface="Gautami"/>
+        <a:font script="Taml" typeface="Latha"/>
+        <a:font script="Syrc" typeface="Estrangelo Edessa"/>
+        <a:font script="Orya" typeface="Kalinga"/>
+        <a:font script="Mlym" typeface="Kartika"/>
+        <a:font script="Laoo" typeface="DokChampa"/>
+        <a:font script="Sinh" typeface="Iskoola Pota"/>
+        <a:font script="Mong" typeface="Mongolian Baiti"/>
+        <a:font script="Viet" typeface="Arial"/>
+        <a:font script="Uigh" typeface="Microsoft Uighur"/>
+        <a:font script="Geor" typeface="Sylfaen"/>
+        <a:font script="Armn" typeface="Arial"/>
+        <a:font script="Bugi" typeface="Leelawadee UI"/>
+        <a:font script="Bopo" typeface="Microsoft JhengHei"/>
+        <a:font script="Java" typeface="Javanese Text"/>
+        <a:font script="Lisu" typeface="Segoe UI"/>
+        <a:font script="Mymr" typeface="Myanmar Text"/>
+        <a:font script="Nkoo" typeface="Ebrima"/>
+        <a:font script="Olck" typeface="Nirmala UI"/>
+        <a:font script="Osma" typeface="Ebrima"/>
+        <a:font script="Phag" typeface="Phagspa"/>
+        <a:font script="Syrn" typeface="Estrangelo Edessa"/>
+        <a:font script="Syrj" typeface="Estrangelo Edessa"/>
+        <a:font script="Syre" typeface="Estrangelo Edessa"/>
+        <a:font script="Sora" typeface="Nirmala UI"/>
+        <a:font script="Tale" typeface="Microsoft Tai Le"/>
+        <a:font script="Talu" typeface="Microsoft New Tai Lue"/>
+        <a:font script="Tfng" typeface="Ebrima"/>
+      </a:minorFont>
+    </a:fontScheme>
+    <a:fmtScheme name="Office">
+      <a:fillStyleLst>
+        <a:solidFill>
+          <a:schemeClr val="phClr"/>
+        </a:solidFill>
+        <a:gradFill rotWithShape="1">
+          <a:gsLst>
+            <a:gs pos="0">
+              <a:schemeClr val="phClr">
+                <a:lumMod val="110000"/>
+                <a:satMod val="105000"/>
+                <a:tint val="67000"/>
+              </a:schemeClr>
+            </a:gs>
+            <a:gs pos="50000">
+              <a:schemeClr val="phClr">
+                <a:lumMod val="105000"/>
+                <a:satMod val="103000"/>
+                <a:tint val="73000"/>
+              </a:schemeClr>
+            </a:gs>
+            <a:gs pos="100000">
+              <a:schemeClr val="phClr">
+                <a:lumMod val="105000"/>
+                <a:satMod val="109000"/>
+                <a:tint val="81000"/>
+              </a:schemeClr>
+            </a:gs>
+          </a:gsLst>
+          <a:lin ang="5400000" scaled="0"/>
+        </a:gradFill>
+        <a:gradFill rotWithShape="1">
+          <a:gsLst>
+            <a:gs pos="0">
+              <a:schemeClr val="phClr">
+                <a:satMod val="103000"/>
+                <a:lumMod val="102000"/>
+                <a:tint val="94000"/>
+              </a:schemeClr>
+            </a:gs>
+            <a:gs pos="50000">
+              <a:schemeClr val="phClr">
+                <a:satMod val="110000"/>
+                <a:lumMod val="100000"/>
+                <a:shade val="100000"/>
+              </a:schemeClr>
+            </a:gs>
+            <a:gs pos="100000">
+              <a:schemeClr val="phClr">
+                <a:lumMod val="99000"/>
+                <a:satMod val="120000"/>
+                <a:shade val="78000"/>
+              </a:schemeClr>
+            </a:gs>
+          </a:gsLst>
+          <a:lin ang="5400000" scaled="0"/>
+        </a:gradFill>
+      </a:fillStyleLst>
+      <a:lnStyleLst>
+        <a:ln w="12700" cap="flat" cmpd="sng" algn="ctr">
+          <a:solidFill>
+            <a:schemeClr val="phClr"/>
+          </a:solidFill>
+          <a:prstDash val="solid"/>
+          <a:miter lim="800000"/>
+        </a:ln>
+        <a:ln w="19050" cap="flat" cmpd="sng" algn="ctr">
+          <a:solidFill>
+            <a:schemeClr val="phClr"/>
+          </a:solidFill>
+          <a:prstDash val="solid"/>
+          <a:miter lim="800000"/>
+        </a:ln>
+        <a:ln w="25400" cap="flat" cmpd="sng" algn="ctr">
+          <a:solidFill>
+            <a:schemeClr val="phClr"/>
+          </a:solidFill>
+          <a:prstDash val="solid"/>
+          <a:miter lim="800000"/>
+        </a:ln>
+      </a:lnStyleLst>
+      <a:effectStyleLst>
+        <a:effectStyle>
+          <a:effectLst/>
+        </a:effectStyle>
+        <a:effectStyle>
+          <a:effectLst/>
+        </a:effectStyle>
+        <a:effectStyle>
+          <a:effectLst>
+            <a:outerShdw blurRad="57150" dist="19050" dir="5400000" algn="ctr" rotWithShape="0">
+              <a:srgbClr val="000000">
+                <a:alpha val="63000"/>
+              </a:srgbClr>
+            </a:outerShdw>
+          </a:effectLst>
+        </a:effectStyle>
+      </a:effectStyleLst>
+      <a:bgFillStyleLst>
+        <a:solidFill>
+          <a:schemeClr val="phClr"/>
+        </a:solidFill>
+        <a:solidFill>
+          <a:schemeClr val="phClr">
+            <a:tint val="95000"/>
+            <a:satMod val="170000"/>
+          </a:schemeClr>
+        </a:solidFill>
+        <a:gradFill rotWithShape="1">
+          <a:gsLst>
+            <a:gs pos="0">
+              <a:schemeClr val="phClr">
+                <a:tint val="93000"/>
+                <a:satMod val="150000"/>
+                <a:shade val="98000"/>
+                <a:lumMod val="102000"/>
+              </a:schemeClr>
+            </a:gs>
+            <a:gs pos="50000">
+              <a:schemeClr val="phClr">
+                <a:tint val="98000"/>
+                <a:satMod val="130000"/>
+                <a:shade val="90000"/>
+                <a:lumMod val="103000"/>
+              </a:schemeClr>
+            </a:gs>
+            <a:gs pos="100000">
+              <a:schemeClr val="phClr">
+                <a:shade val="63000"/>
+                <a:satMod val="120000"/>
+              </a:schemeClr>
+            </a:gs>
+          </a:gsLst>
+          <a:lin ang="5400000" scaled="0"/>
+        </a:gradFill>
+      </a:bgFillStyleLst>
+    </a:fmtScheme>
+  </a:themeElements>
+  <a:objectDefaults>
+    <a:lnDef>
+      <a:spPr/>
+      <a:bodyPr/>
+      <a:lstStyle/>
+      <a:style>
+        <a:lnRef idx="2">
+          <a:schemeClr val="accent1"/>
+        </a:lnRef>
+        <a:fillRef idx="0">
+          <a:schemeClr val="accent1"/>
+        </a:fillRef>
+        <a:effectRef idx="1">
+          <a:schemeClr val="accent1"/>
+        </a:effectRef>
+        <a:fontRef idx="minor">
+          <a:schemeClr val="tx1"/>
+        </a:fontRef>
+      </a:style>
+    </a:lnDef>
+  </a:objectDefaults>
+  <a:extraClrSchemeLst/>
+  <a:extLst>
+    <a:ext uri="{05A4C25C-085E-4340-85A3-A5531E510DB2}">
+      <thm15:themeFamily xmlns:thm15="http://schemas.microsoft.com/office/thememl/2012/main" name="Office Theme" id="{2E142A2C-CD16-42D6-873A-C26D2A0506FA}" vid="{1BDDFF52-6CD6-40A5-AB3C-68EB2F1E4D0A}"/>
+    </a:ext>
+  </a:extLst>
+</a:theme>
 </file>